--- a/docs/Identify Diversely OwnedMonsoonMasters.pptx
+++ b/docs/Identify Diversely OwnedMonsoonMasters.pptx
@@ -17,10 +17,11 @@
     <p:sldId id="262" r:id="rId11"/>
     <p:sldId id="267" r:id="rId12"/>
     <p:sldId id="268" r:id="rId13"/>
-    <p:sldId id="269" r:id="rId14"/>
-    <p:sldId id="270" r:id="rId15"/>
-    <p:sldId id="271" r:id="rId16"/>
-    <p:sldId id="258" r:id="rId17"/>
+    <p:sldId id="272" r:id="rId14"/>
+    <p:sldId id="269" r:id="rId15"/>
+    <p:sldId id="270" r:id="rId16"/>
+    <p:sldId id="271" r:id="rId17"/>
+    <p:sldId id="258" r:id="rId18"/>
   </p:sldIdLst>
   <p:sldSz cx="12192000" cy="6858000"/>
   <p:notesSz cx="6858000" cy="9144000"/>
@@ -3694,7 +3695,7 @@
           <p:cNvPr id="5" name="Content Placeholder 4">
             <a:extLst>
               <a:ext uri="{FF2B5EF4-FFF2-40B4-BE49-F238E27FC236}">
-                <a16:creationId xmlns:a16="http://schemas.microsoft.com/office/drawing/2014/main" id="{2A07EC56-9442-085E-3561-54086DD7505C}"/>
+                <a16:creationId xmlns:a16="http://schemas.microsoft.com/office/drawing/2014/main" id="{62C5D3C0-5533-5CD0-67EF-4A8B04EC7495}"/>
               </a:ext>
             </a:extLst>
           </p:cNvPr>
@@ -3719,15 +3720,15 @@
         </p:blipFill>
         <p:spPr>
           <a:xfrm>
-            <a:off x="2162355" y="238689"/>
-            <a:ext cx="7867290" cy="6380621"/>
+            <a:off x="2749739" y="500107"/>
+            <a:ext cx="6692521" cy="5857786"/>
           </a:xfrm>
         </p:spPr>
       </p:pic>
     </p:spTree>
     <p:extLst>
       <p:ext uri="{BB962C8B-B14F-4D97-AF65-F5344CB8AC3E}">
-        <p14:creationId xmlns:p14="http://schemas.microsoft.com/office/powerpoint/2010/main" val="2180365769"/>
+        <p14:creationId xmlns:p14="http://schemas.microsoft.com/office/powerpoint/2010/main" val="436804369"/>
       </p:ext>
     </p:extLst>
   </p:cSld>
@@ -3759,7 +3760,7 @@
           <p:cNvPr id="5" name="Content Placeholder 4">
             <a:extLst>
               <a:ext uri="{FF2B5EF4-FFF2-40B4-BE49-F238E27FC236}">
-                <a16:creationId xmlns:a16="http://schemas.microsoft.com/office/drawing/2014/main" id="{464143E2-4FE4-A48B-AF4E-1C3F5EFF72AB}"/>
+                <a16:creationId xmlns:a16="http://schemas.microsoft.com/office/drawing/2014/main" id="{2A07EC56-9442-085E-3561-54086DD7505C}"/>
               </a:ext>
             </a:extLst>
           </p:cNvPr>
@@ -3784,15 +3785,15 @@
         </p:blipFill>
         <p:spPr>
           <a:xfrm>
-            <a:off x="489702" y="336430"/>
-            <a:ext cx="10810902" cy="6282365"/>
+            <a:off x="2162355" y="238689"/>
+            <a:ext cx="7867290" cy="6380621"/>
           </a:xfrm>
         </p:spPr>
       </p:pic>
     </p:spTree>
     <p:extLst>
       <p:ext uri="{BB962C8B-B14F-4D97-AF65-F5344CB8AC3E}">
-        <p14:creationId xmlns:p14="http://schemas.microsoft.com/office/powerpoint/2010/main" val="2210729248"/>
+        <p14:creationId xmlns:p14="http://schemas.microsoft.com/office/powerpoint/2010/main" val="2180365769"/>
       </p:ext>
     </p:extLst>
   </p:cSld>
@@ -3824,6 +3825,71 @@
           <p:cNvPr id="5" name="Content Placeholder 4">
             <a:extLst>
               <a:ext uri="{FF2B5EF4-FFF2-40B4-BE49-F238E27FC236}">
+                <a16:creationId xmlns:a16="http://schemas.microsoft.com/office/drawing/2014/main" id="{464143E2-4FE4-A48B-AF4E-1C3F5EFF72AB}"/>
+              </a:ext>
+            </a:extLst>
+          </p:cNvPr>
+          <p:cNvPicPr>
+            <a:picLocks noGrp="1" noChangeAspect="1"/>
+          </p:cNvPicPr>
+          <p:nvPr>
+            <p:ph idx="1"/>
+          </p:nvPr>
+        </p:nvPicPr>
+        <p:blipFill>
+          <a:blip r:embed="rId2">
+            <a:extLst>
+              <a:ext uri="{28A0092B-C50C-407E-A947-70E740481C1C}">
+                <a14:useLocalDpi xmlns:a14="http://schemas.microsoft.com/office/drawing/2010/main" val="0"/>
+              </a:ext>
+            </a:extLst>
+          </a:blip>
+          <a:stretch>
+            <a:fillRect/>
+          </a:stretch>
+        </p:blipFill>
+        <p:spPr>
+          <a:xfrm>
+            <a:off x="489702" y="336430"/>
+            <a:ext cx="10810902" cy="6282365"/>
+          </a:xfrm>
+        </p:spPr>
+      </p:pic>
+    </p:spTree>
+    <p:extLst>
+      <p:ext uri="{BB962C8B-B14F-4D97-AF65-F5344CB8AC3E}">
+        <p14:creationId xmlns:p14="http://schemas.microsoft.com/office/powerpoint/2010/main" val="2210729248"/>
+      </p:ext>
+    </p:extLst>
+  </p:cSld>
+  <p:clrMapOvr>
+    <a:masterClrMapping/>
+  </p:clrMapOvr>
+</p:sld>
+</file>
+
+<file path=ppt/slides/slide16.xml><?xml version="1.0" encoding="utf-8"?>
+<p:sld xmlns:a="http://schemas.openxmlformats.org/drawingml/2006/main" xmlns:r="http://schemas.openxmlformats.org/officeDocument/2006/relationships" xmlns:p="http://schemas.openxmlformats.org/presentationml/2006/main">
+  <p:cSld>
+    <p:spTree>
+      <p:nvGrpSpPr>
+        <p:cNvPr id="1" name=""/>
+        <p:cNvGrpSpPr/>
+        <p:nvPr/>
+      </p:nvGrpSpPr>
+      <p:grpSpPr>
+        <a:xfrm>
+          <a:off x="0" y="0"/>
+          <a:ext cx="0" cy="0"/>
+          <a:chOff x="0" y="0"/>
+          <a:chExt cx="0" cy="0"/>
+        </a:xfrm>
+      </p:grpSpPr>
+      <p:pic>
+        <p:nvPicPr>
+          <p:cNvPr id="5" name="Content Placeholder 4">
+            <a:extLst>
+              <a:ext uri="{FF2B5EF4-FFF2-40B4-BE49-F238E27FC236}">
                 <a16:creationId xmlns:a16="http://schemas.microsoft.com/office/drawing/2014/main" id="{2AD9EA34-4C0A-2F50-3150-3538BF545844}"/>
               </a:ext>
             </a:extLst>
@@ -3867,7 +3933,7 @@
 </p:sld>
 </file>
 
-<file path=ppt/slides/slide16.xml><?xml version="1.0" encoding="utf-8"?>
+<file path=ppt/slides/slide17.xml><?xml version="1.0" encoding="utf-8"?>
 <p:sld xmlns:a="http://schemas.openxmlformats.org/drawingml/2006/main" xmlns:r="http://schemas.openxmlformats.org/officeDocument/2006/relationships" xmlns:p="http://schemas.openxmlformats.org/presentationml/2006/main">
   <p:cSld>
     <p:spTree>
